--- a/11_generative_ai/1_Introduction to Generative AI and Transformers.pptx
+++ b/11_generative_ai/1_Introduction to Generative AI and Transformers.pptx
@@ -29,17 +29,16 @@
     <p:sldId id="275" r:id="rId23"/>
     <p:sldId id="276" r:id="rId24"/>
     <p:sldId id="277" r:id="rId25"/>
-    <p:sldId id="278" r:id="rId26"/>
-    <p:sldId id="281" r:id="rId27"/>
-    <p:sldId id="282" r:id="rId28"/>
-    <p:sldId id="283" r:id="rId29"/>
-    <p:sldId id="284" r:id="rId30"/>
-    <p:sldId id="286" r:id="rId31"/>
-    <p:sldId id="285" r:id="rId32"/>
-    <p:sldId id="287" r:id="rId33"/>
-    <p:sldId id="288" r:id="rId34"/>
-    <p:sldId id="289" r:id="rId35"/>
-    <p:sldId id="290" r:id="rId36"/>
+    <p:sldId id="281" r:id="rId26"/>
+    <p:sldId id="282" r:id="rId27"/>
+    <p:sldId id="283" r:id="rId28"/>
+    <p:sldId id="284" r:id="rId29"/>
+    <p:sldId id="286" r:id="rId30"/>
+    <p:sldId id="285" r:id="rId31"/>
+    <p:sldId id="287" r:id="rId32"/>
+    <p:sldId id="288" r:id="rId33"/>
+    <p:sldId id="289" r:id="rId34"/>
+    <p:sldId id="290" r:id="rId35"/>
   </p:sldIdLst>
   <p:sldSz cx="12192000" cy="6858000"/>
   <p:notesSz cx="6858000" cy="9144000"/>
@@ -277,7 +276,7 @@
           <a:p>
             <a:fld id="{C6B5F695-AA34-4BF2-AB00-E79E88856F4D}" type="datetimeFigureOut">
               <a:rPr lang="en-US" smtClean="0"/>
-              <a:t>2/21/2025</a:t>
+              <a:t>11/13/2025</a:t>
             </a:fld>
             <a:endParaRPr lang="en-US"/>
           </a:p>
@@ -447,7 +446,7 @@
           <a:p>
             <a:fld id="{C6B5F695-AA34-4BF2-AB00-E79E88856F4D}" type="datetimeFigureOut">
               <a:rPr lang="en-US" smtClean="0"/>
-              <a:t>2/21/2025</a:t>
+              <a:t>11/13/2025</a:t>
             </a:fld>
             <a:endParaRPr lang="en-US"/>
           </a:p>
@@ -627,7 +626,7 @@
           <a:p>
             <a:fld id="{C6B5F695-AA34-4BF2-AB00-E79E88856F4D}" type="datetimeFigureOut">
               <a:rPr lang="en-US" smtClean="0"/>
-              <a:t>2/21/2025</a:t>
+              <a:t>11/13/2025</a:t>
             </a:fld>
             <a:endParaRPr lang="en-US"/>
           </a:p>
@@ -797,7 +796,7 @@
           <a:p>
             <a:fld id="{C6B5F695-AA34-4BF2-AB00-E79E88856F4D}" type="datetimeFigureOut">
               <a:rPr lang="en-US" smtClean="0"/>
-              <a:t>2/21/2025</a:t>
+              <a:t>11/13/2025</a:t>
             </a:fld>
             <a:endParaRPr lang="en-US"/>
           </a:p>
@@ -1043,7 +1042,7 @@
           <a:p>
             <a:fld id="{C6B5F695-AA34-4BF2-AB00-E79E88856F4D}" type="datetimeFigureOut">
               <a:rPr lang="en-US" smtClean="0"/>
-              <a:t>2/21/2025</a:t>
+              <a:t>11/13/2025</a:t>
             </a:fld>
             <a:endParaRPr lang="en-US"/>
           </a:p>
@@ -1275,7 +1274,7 @@
           <a:p>
             <a:fld id="{C6B5F695-AA34-4BF2-AB00-E79E88856F4D}" type="datetimeFigureOut">
               <a:rPr lang="en-US" smtClean="0"/>
-              <a:t>2/21/2025</a:t>
+              <a:t>11/13/2025</a:t>
             </a:fld>
             <a:endParaRPr lang="en-US"/>
           </a:p>
@@ -1642,7 +1641,7 @@
           <a:p>
             <a:fld id="{C6B5F695-AA34-4BF2-AB00-E79E88856F4D}" type="datetimeFigureOut">
               <a:rPr lang="en-US" smtClean="0"/>
-              <a:t>2/21/2025</a:t>
+              <a:t>11/13/2025</a:t>
             </a:fld>
             <a:endParaRPr lang="en-US"/>
           </a:p>
@@ -1760,7 +1759,7 @@
           <a:p>
             <a:fld id="{C6B5F695-AA34-4BF2-AB00-E79E88856F4D}" type="datetimeFigureOut">
               <a:rPr lang="en-US" smtClean="0"/>
-              <a:t>2/21/2025</a:t>
+              <a:t>11/13/2025</a:t>
             </a:fld>
             <a:endParaRPr lang="en-US"/>
           </a:p>
@@ -1855,7 +1854,7 @@
           <a:p>
             <a:fld id="{C6B5F695-AA34-4BF2-AB00-E79E88856F4D}" type="datetimeFigureOut">
               <a:rPr lang="en-US" smtClean="0"/>
-              <a:t>2/21/2025</a:t>
+              <a:t>11/13/2025</a:t>
             </a:fld>
             <a:endParaRPr lang="en-US"/>
           </a:p>
@@ -2132,7 +2131,7 @@
           <a:p>
             <a:fld id="{C6B5F695-AA34-4BF2-AB00-E79E88856F4D}" type="datetimeFigureOut">
               <a:rPr lang="en-US" smtClean="0"/>
-              <a:t>2/21/2025</a:t>
+              <a:t>11/13/2025</a:t>
             </a:fld>
             <a:endParaRPr lang="en-US"/>
           </a:p>
@@ -2385,7 +2384,7 @@
           <a:p>
             <a:fld id="{C6B5F695-AA34-4BF2-AB00-E79E88856F4D}" type="datetimeFigureOut">
               <a:rPr lang="en-US" smtClean="0"/>
-              <a:t>2/21/2025</a:t>
+              <a:t>11/13/2025</a:t>
             </a:fld>
             <a:endParaRPr lang="en-US"/>
           </a:p>
@@ -2598,7 +2597,7 @@
           <a:p>
             <a:fld id="{C6B5F695-AA34-4BF2-AB00-E79E88856F4D}" type="datetimeFigureOut">
               <a:rPr lang="en-US" smtClean="0"/>
-              <a:t>2/21/2025</a:t>
+              <a:t>11/13/2025</a:t>
             </a:fld>
             <a:endParaRPr lang="en-US"/>
           </a:p>
@@ -4574,7 +4573,12 @@
             <p:ph idx="1"/>
           </p:nvPr>
         </p:nvSpPr>
-        <p:spPr/>
+        <p:spPr>
+          <a:xfrm>
+            <a:off x="755073" y="1690688"/>
+            <a:ext cx="10515600" cy="4351338"/>
+          </a:xfrm>
+        </p:spPr>
         <p:txBody>
           <a:bodyPr>
             <a:noAutofit/>
@@ -6003,154 +6007,6 @@
           <a:p>
             <a:r>
               <a:rPr lang="en-US" dirty="0" smtClean="0"/>
-              <a:t>Example Usage</a:t>
-            </a:r>
-            <a:endParaRPr lang="en-US" dirty="0"/>
-          </a:p>
-        </p:txBody>
-      </p:sp>
-      <p:sp>
-        <p:nvSpPr>
-          <p:cNvPr id="3" name="Content Placeholder 2"/>
-          <p:cNvSpPr>
-            <a:spLocks noGrp="1"/>
-          </p:cNvSpPr>
-          <p:nvPr>
-            <p:ph idx="1"/>
-          </p:nvPr>
-        </p:nvSpPr>
-        <p:spPr/>
-        <p:txBody>
-          <a:bodyPr/>
-          <a:lstStyle/>
-          <a:p>
-            <a:pPr marL="0" indent="0">
-              <a:buNone/>
-            </a:pPr>
-            <a:r>
-              <a:rPr lang="en-US" dirty="0" smtClean="0"/>
-              <a:t>from transformers import pipeline</a:t>
-            </a:r>
-          </a:p>
-          <a:p>
-            <a:pPr marL="0" indent="0">
-              <a:buNone/>
-            </a:pPr>
-            <a:r>
-              <a:rPr lang="en-US" dirty="0" smtClean="0"/>
-              <a:t>unmasker = pipeline("fill-mask", model="</a:t>
-            </a:r>
-            <a:r>
-              <a:rPr lang="en-US" dirty="0" err="1" smtClean="0"/>
-              <a:t>bert</a:t>
-            </a:r>
-            <a:r>
-              <a:rPr lang="en-US" dirty="0" smtClean="0"/>
-              <a:t>-base-uncased")</a:t>
-            </a:r>
-          </a:p>
-          <a:p>
-            <a:pPr marL="0" indent="0">
-              <a:buNone/>
-            </a:pPr>
-            <a:r>
-              <a:rPr lang="en-US" dirty="0" smtClean="0"/>
-              <a:t>result = unmasker("This man works as a [MASK].")</a:t>
-            </a:r>
-          </a:p>
-          <a:p>
-            <a:pPr marL="0" indent="0">
-              <a:buNone/>
-            </a:pPr>
-            <a:r>
-              <a:rPr lang="en-US" dirty="0" smtClean="0"/>
-              <a:t>print([r["</a:t>
-            </a:r>
-            <a:r>
-              <a:rPr lang="en-US" dirty="0" err="1" smtClean="0"/>
-              <a:t>token_str</a:t>
-            </a:r>
-            <a:r>
-              <a:rPr lang="en-US" dirty="0" smtClean="0"/>
-              <a:t>"] for r in result])</a:t>
-            </a:r>
-          </a:p>
-          <a:p>
-            <a:pPr marL="0" indent="0">
-              <a:buNone/>
-            </a:pPr>
-            <a:r>
-              <a:rPr lang="en-US" dirty="0" smtClean="0"/>
-              <a:t>result = unmasker("This woman works as a [MASK].")</a:t>
-            </a:r>
-          </a:p>
-          <a:p>
-            <a:pPr marL="0" indent="0">
-              <a:buNone/>
-            </a:pPr>
-            <a:r>
-              <a:rPr lang="en-US" dirty="0" smtClean="0"/>
-              <a:t>print([r["</a:t>
-            </a:r>
-            <a:r>
-              <a:rPr lang="en-US" dirty="0" err="1" smtClean="0"/>
-              <a:t>token_str</a:t>
-            </a:r>
-            <a:r>
-              <a:rPr lang="en-US" dirty="0" smtClean="0"/>
-              <a:t>"] for r in result])</a:t>
-            </a:r>
-            <a:endParaRPr lang="en-US" dirty="0"/>
-          </a:p>
-        </p:txBody>
-      </p:sp>
-    </p:spTree>
-    <p:extLst>
-      <p:ext uri="{BB962C8B-B14F-4D97-AF65-F5344CB8AC3E}">
-        <p14:creationId xmlns:p14="http://schemas.microsoft.com/office/powerpoint/2010/main" val="2502579843"/>
-      </p:ext>
-    </p:extLst>
-  </p:cSld>
-  <p:clrMapOvr>
-    <a:masterClrMapping/>
-  </p:clrMapOvr>
-</p:sld>
-</file>
-
-<file path=ppt/slides/slide26.xml><?xml version="1.0" encoding="utf-8"?>
-<p:sld xmlns:a="http://schemas.openxmlformats.org/drawingml/2006/main" xmlns:r="http://schemas.openxmlformats.org/officeDocument/2006/relationships" xmlns:p="http://schemas.openxmlformats.org/presentationml/2006/main">
-  <p:cSld>
-    <p:spTree>
-      <p:nvGrpSpPr>
-        <p:cNvPr id="1" name=""/>
-        <p:cNvGrpSpPr/>
-        <p:nvPr/>
-      </p:nvGrpSpPr>
-      <p:grpSpPr>
-        <a:xfrm>
-          <a:off x="0" y="0"/>
-          <a:ext cx="0" cy="0"/>
-          <a:chOff x="0" y="0"/>
-          <a:chExt cx="0" cy="0"/>
-        </a:xfrm>
-      </p:grpSpPr>
-      <p:sp>
-        <p:nvSpPr>
-          <p:cNvPr id="2" name="Title 1"/>
-          <p:cNvSpPr>
-            <a:spLocks noGrp="1"/>
-          </p:cNvSpPr>
-          <p:nvPr>
-            <p:ph type="title"/>
-          </p:nvPr>
-        </p:nvSpPr>
-        <p:spPr/>
-        <p:txBody>
-          <a:bodyPr/>
-          <a:lstStyle/>
-          <a:p>
-            <a:r>
-              <a:rPr lang="en-US" dirty="0" smtClean="0"/>
               <a:t>Transformers vs MAMBA</a:t>
             </a:r>
             <a:endParaRPr lang="en-US" dirty="0"/>
@@ -6170,7 +6026,7 @@
 </p:sld>
 </file>
 
-<file path=ppt/slides/slide27.xml><?xml version="1.0" encoding="utf-8"?>
+<file path=ppt/slides/slide26.xml><?xml version="1.0" encoding="utf-8"?>
 <p:sld xmlns:a="http://schemas.openxmlformats.org/drawingml/2006/main" xmlns:r="http://schemas.openxmlformats.org/officeDocument/2006/relationships" xmlns:p="http://schemas.openxmlformats.org/presentationml/2006/main">
   <p:cSld>
     <p:spTree>
@@ -6276,7 +6132,7 @@
 </p:sld>
 </file>
 
-<file path=ppt/slides/slide28.xml><?xml version="1.0" encoding="utf-8"?>
+<file path=ppt/slides/slide27.xml><?xml version="1.0" encoding="utf-8"?>
 <p:sld xmlns:a="http://schemas.openxmlformats.org/drawingml/2006/main" xmlns:r="http://schemas.openxmlformats.org/officeDocument/2006/relationships" xmlns:p="http://schemas.openxmlformats.org/presentationml/2006/main">
   <p:cSld>
     <p:spTree>
@@ -6376,7 +6232,7 @@
 </p:sld>
 </file>
 
-<file path=ppt/slides/slide29.xml><?xml version="1.0" encoding="utf-8"?>
+<file path=ppt/slides/slide28.xml><?xml version="1.0" encoding="utf-8"?>
 <p:sld xmlns:a="http://schemas.openxmlformats.org/drawingml/2006/main" xmlns:r="http://schemas.openxmlformats.org/officeDocument/2006/relationships" xmlns:p="http://schemas.openxmlformats.org/presentationml/2006/main">
   <p:cSld>
     <p:spTree>
@@ -6528,183 +6384,7 @@
 </p:sld>
 </file>
 
-<file path=ppt/slides/slide3.xml><?xml version="1.0" encoding="utf-8"?>
-<p:sld xmlns:a="http://schemas.openxmlformats.org/drawingml/2006/main" xmlns:r="http://schemas.openxmlformats.org/officeDocument/2006/relationships" xmlns:p="http://schemas.openxmlformats.org/presentationml/2006/main">
-  <p:cSld>
-    <p:spTree>
-      <p:nvGrpSpPr>
-        <p:cNvPr id="1" name=""/>
-        <p:cNvGrpSpPr/>
-        <p:nvPr/>
-      </p:nvGrpSpPr>
-      <p:grpSpPr>
-        <a:xfrm>
-          <a:off x="0" y="0"/>
-          <a:ext cx="0" cy="0"/>
-          <a:chOff x="0" y="0"/>
-          <a:chExt cx="0" cy="0"/>
-        </a:xfrm>
-      </p:grpSpPr>
-      <p:sp>
-        <p:nvSpPr>
-          <p:cNvPr id="2" name="Title 1"/>
-          <p:cNvSpPr>
-            <a:spLocks noGrp="1"/>
-          </p:cNvSpPr>
-          <p:nvPr>
-            <p:ph type="title"/>
-          </p:nvPr>
-        </p:nvSpPr>
-        <p:spPr/>
-        <p:txBody>
-          <a:bodyPr/>
-          <a:lstStyle/>
-          <a:p>
-            <a:r>
-              <a:rPr lang="en-US" dirty="0" smtClean="0"/>
-              <a:t>Transformers</a:t>
-            </a:r>
-            <a:endParaRPr lang="en-US" dirty="0"/>
-          </a:p>
-        </p:txBody>
-      </p:sp>
-      <p:sp>
-        <p:nvSpPr>
-          <p:cNvPr id="3" name="Content Placeholder 2"/>
-          <p:cNvSpPr>
-            <a:spLocks noGrp="1"/>
-          </p:cNvSpPr>
-          <p:nvPr>
-            <p:ph idx="1"/>
-          </p:nvPr>
-        </p:nvSpPr>
-        <p:spPr/>
-        <p:txBody>
-          <a:bodyPr>
-            <a:normAutofit fontScale="92500" lnSpcReduction="20000"/>
-          </a:bodyPr>
-          <a:lstStyle/>
-          <a:p>
-            <a:r>
-              <a:rPr lang="en-US" dirty="0" smtClean="0"/>
-              <a:t>Transformers, introduced in the paper "</a:t>
-            </a:r>
-            <a:r>
-              <a:rPr lang="en-US" b="1" dirty="0" smtClean="0"/>
-              <a:t>Attention is All You Need</a:t>
-            </a:r>
-            <a:r>
-              <a:rPr lang="en-US" dirty="0" smtClean="0"/>
-              <a:t>," address these issues by using </a:t>
-            </a:r>
-            <a:r>
-              <a:rPr lang="en-US" b="1" dirty="0" smtClean="0"/>
-              <a:t>self-attention mechanisms </a:t>
-            </a:r>
-            <a:r>
-              <a:rPr lang="en-US" dirty="0" smtClean="0"/>
-              <a:t>that allow the model to </a:t>
-            </a:r>
-            <a:r>
-              <a:rPr lang="en-US" b="1" dirty="0" smtClean="0"/>
-              <a:t>attend to all parts of a sequence simultaneously</a:t>
-            </a:r>
-            <a:r>
-              <a:rPr lang="en-US" dirty="0" smtClean="0"/>
-              <a:t>, </a:t>
-            </a:r>
-            <a:r>
-              <a:rPr lang="en-US" b="1" dirty="0" smtClean="0"/>
-              <a:t>without the need for sequential processing</a:t>
-            </a:r>
-            <a:r>
-              <a:rPr lang="en-US" dirty="0" smtClean="0"/>
-              <a:t>. </a:t>
-            </a:r>
-          </a:p>
-          <a:p>
-            <a:r>
-              <a:rPr lang="en-US" dirty="0" smtClean="0"/>
-              <a:t>This parallelization significantly speeds up training. </a:t>
-            </a:r>
-          </a:p>
-          <a:p>
-            <a:r>
-              <a:rPr lang="en-US" dirty="0" smtClean="0"/>
-              <a:t>The </a:t>
-            </a:r>
-            <a:r>
-              <a:rPr lang="en-US" b="1" dirty="0" smtClean="0"/>
-              <a:t>self-attention mechanism enables transformers to capture long-range dependencies </a:t>
-            </a:r>
-            <a:r>
-              <a:rPr lang="en-US" dirty="0" smtClean="0"/>
-              <a:t>more effectively, </a:t>
-            </a:r>
-            <a:r>
-              <a:rPr lang="en-US" b="1" dirty="0" smtClean="0"/>
-              <a:t>as each token can directly attend to any other token in the sequence</a:t>
-            </a:r>
-            <a:r>
-              <a:rPr lang="en-US" dirty="0" smtClean="0"/>
-              <a:t>, </a:t>
-            </a:r>
-            <a:r>
-              <a:rPr lang="en-US" b="1" dirty="0" smtClean="0"/>
-              <a:t>no matter how far apart they are</a:t>
-            </a:r>
-            <a:r>
-              <a:rPr lang="en-US" dirty="0" smtClean="0"/>
-              <a:t>. </a:t>
-            </a:r>
-          </a:p>
-          <a:p>
-            <a:r>
-              <a:rPr lang="en-US" dirty="0" smtClean="0"/>
-              <a:t>This architecture also </a:t>
-            </a:r>
-            <a:r>
-              <a:rPr lang="en-US" b="1" dirty="0" smtClean="0"/>
-              <a:t>handles long sequences better without suffering from the vanishing gradient problem</a:t>
-            </a:r>
-            <a:r>
-              <a:rPr lang="en-US" dirty="0" smtClean="0"/>
-              <a:t>. </a:t>
-            </a:r>
-          </a:p>
-          <a:p>
-            <a:r>
-              <a:rPr lang="en-US" dirty="0" smtClean="0"/>
-              <a:t>As a result, </a:t>
-            </a:r>
-            <a:r>
-              <a:rPr lang="en-US" b="1" dirty="0" smtClean="0"/>
-              <a:t>transformers outperform recurrent models in tasks involving long sequences</a:t>
-            </a:r>
-            <a:r>
-              <a:rPr lang="en-US" dirty="0" smtClean="0"/>
-              <a:t>, such as machine translation, text generation, and many other NLP applications.</a:t>
-            </a:r>
-          </a:p>
-          <a:p>
-            <a:endParaRPr lang="en-US" dirty="0"/>
-          </a:p>
-        </p:txBody>
-      </p:sp>
-    </p:spTree>
-    <p:extLst>
-      <p:ext uri="{BB962C8B-B14F-4D97-AF65-F5344CB8AC3E}">
-        <p14:creationId xmlns:p14="http://schemas.microsoft.com/office/powerpoint/2010/main" val="955524596"/>
-      </p:ext>
-    </p:extLst>
-  </p:cSld>
-  <p:clrMapOvr>
-    <a:masterClrMapping/>
-  </p:clrMapOvr>
-</p:sld>
-</file>
-
-<file path=ppt/slides/slide30.xml><?xml version="1.0" encoding="utf-8"?>
+<file path=ppt/slides/slide29.xml><?xml version="1.0" encoding="utf-8"?>
 <p:sld xmlns:a="http://schemas.openxmlformats.org/drawingml/2006/main" xmlns:r="http://schemas.openxmlformats.org/officeDocument/2006/relationships" xmlns:p="http://schemas.openxmlformats.org/presentationml/2006/main">
   <p:cSld>
     <p:spTree>
@@ -6849,7 +6529,7 @@
 </p:sld>
 </file>
 
-<file path=ppt/slides/slide31.xml><?xml version="1.0" encoding="utf-8"?>
+<file path=ppt/slides/slide3.xml><?xml version="1.0" encoding="utf-8"?>
 <p:sld xmlns:a="http://schemas.openxmlformats.org/drawingml/2006/main" xmlns:r="http://schemas.openxmlformats.org/officeDocument/2006/relationships" xmlns:p="http://schemas.openxmlformats.org/presentationml/2006/main">
   <p:cSld>
     <p:spTree>
@@ -6883,6 +6563,182 @@
           <a:p>
             <a:r>
               <a:rPr lang="en-US" dirty="0" smtClean="0"/>
+              <a:t>Transformers</a:t>
+            </a:r>
+            <a:endParaRPr lang="en-US" dirty="0"/>
+          </a:p>
+        </p:txBody>
+      </p:sp>
+      <p:sp>
+        <p:nvSpPr>
+          <p:cNvPr id="3" name="Content Placeholder 2"/>
+          <p:cNvSpPr>
+            <a:spLocks noGrp="1"/>
+          </p:cNvSpPr>
+          <p:nvPr>
+            <p:ph idx="1"/>
+          </p:nvPr>
+        </p:nvSpPr>
+        <p:spPr/>
+        <p:txBody>
+          <a:bodyPr>
+            <a:normAutofit fontScale="92500" lnSpcReduction="20000"/>
+          </a:bodyPr>
+          <a:lstStyle/>
+          <a:p>
+            <a:r>
+              <a:rPr lang="en-US" dirty="0" smtClean="0"/>
+              <a:t>Transformers, introduced in the paper "</a:t>
+            </a:r>
+            <a:r>
+              <a:rPr lang="en-US" b="1" dirty="0" smtClean="0"/>
+              <a:t>Attention is All You Need</a:t>
+            </a:r>
+            <a:r>
+              <a:rPr lang="en-US" dirty="0" smtClean="0"/>
+              <a:t>," address these issues by using </a:t>
+            </a:r>
+            <a:r>
+              <a:rPr lang="en-US" b="1" dirty="0" smtClean="0"/>
+              <a:t>self-attention mechanisms </a:t>
+            </a:r>
+            <a:r>
+              <a:rPr lang="en-US" dirty="0" smtClean="0"/>
+              <a:t>that allow the model to </a:t>
+            </a:r>
+            <a:r>
+              <a:rPr lang="en-US" b="1" dirty="0" smtClean="0"/>
+              <a:t>attend to all parts of a sequence simultaneously</a:t>
+            </a:r>
+            <a:r>
+              <a:rPr lang="en-US" dirty="0" smtClean="0"/>
+              <a:t>, </a:t>
+            </a:r>
+            <a:r>
+              <a:rPr lang="en-US" b="1" dirty="0" smtClean="0"/>
+              <a:t>without the need for sequential processing</a:t>
+            </a:r>
+            <a:r>
+              <a:rPr lang="en-US" dirty="0" smtClean="0"/>
+              <a:t>. </a:t>
+            </a:r>
+          </a:p>
+          <a:p>
+            <a:r>
+              <a:rPr lang="en-US" dirty="0" smtClean="0"/>
+              <a:t>This parallelization significantly speeds up training. </a:t>
+            </a:r>
+          </a:p>
+          <a:p>
+            <a:r>
+              <a:rPr lang="en-US" dirty="0" smtClean="0"/>
+              <a:t>The </a:t>
+            </a:r>
+            <a:r>
+              <a:rPr lang="en-US" b="1" dirty="0" smtClean="0"/>
+              <a:t>self-attention mechanism enables transformers to capture long-range dependencies </a:t>
+            </a:r>
+            <a:r>
+              <a:rPr lang="en-US" dirty="0" smtClean="0"/>
+              <a:t>more effectively, </a:t>
+            </a:r>
+            <a:r>
+              <a:rPr lang="en-US" b="1" dirty="0" smtClean="0"/>
+              <a:t>as each token can directly attend to any other token in the sequence</a:t>
+            </a:r>
+            <a:r>
+              <a:rPr lang="en-US" dirty="0" smtClean="0"/>
+              <a:t>, </a:t>
+            </a:r>
+            <a:r>
+              <a:rPr lang="en-US" b="1" dirty="0" smtClean="0"/>
+              <a:t>no matter how far apart they are</a:t>
+            </a:r>
+            <a:r>
+              <a:rPr lang="en-US" dirty="0" smtClean="0"/>
+              <a:t>. </a:t>
+            </a:r>
+          </a:p>
+          <a:p>
+            <a:r>
+              <a:rPr lang="en-US" dirty="0" smtClean="0"/>
+              <a:t>This architecture also </a:t>
+            </a:r>
+            <a:r>
+              <a:rPr lang="en-US" b="1" dirty="0" smtClean="0"/>
+              <a:t>handles long sequences better without suffering from the vanishing gradient problem</a:t>
+            </a:r>
+            <a:r>
+              <a:rPr lang="en-US" dirty="0" smtClean="0"/>
+              <a:t>. </a:t>
+            </a:r>
+          </a:p>
+          <a:p>
+            <a:r>
+              <a:rPr lang="en-US" dirty="0" smtClean="0"/>
+              <a:t>As a result, </a:t>
+            </a:r>
+            <a:r>
+              <a:rPr lang="en-US" b="1" dirty="0" smtClean="0"/>
+              <a:t>transformers outperform recurrent models in tasks involving long sequences</a:t>
+            </a:r>
+            <a:r>
+              <a:rPr lang="en-US" dirty="0" smtClean="0"/>
+              <a:t>, such as machine translation, text generation, and many other NLP applications.</a:t>
+            </a:r>
+          </a:p>
+          <a:p>
+            <a:endParaRPr lang="en-US" dirty="0"/>
+          </a:p>
+        </p:txBody>
+      </p:sp>
+    </p:spTree>
+    <p:extLst>
+      <p:ext uri="{BB962C8B-B14F-4D97-AF65-F5344CB8AC3E}">
+        <p14:creationId xmlns:p14="http://schemas.microsoft.com/office/powerpoint/2010/main" val="955524596"/>
+      </p:ext>
+    </p:extLst>
+  </p:cSld>
+  <p:clrMapOvr>
+    <a:masterClrMapping/>
+  </p:clrMapOvr>
+</p:sld>
+</file>
+
+<file path=ppt/slides/slide30.xml><?xml version="1.0" encoding="utf-8"?>
+<p:sld xmlns:a="http://schemas.openxmlformats.org/drawingml/2006/main" xmlns:r="http://schemas.openxmlformats.org/officeDocument/2006/relationships" xmlns:p="http://schemas.openxmlformats.org/presentationml/2006/main">
+  <p:cSld>
+    <p:spTree>
+      <p:nvGrpSpPr>
+        <p:cNvPr id="1" name=""/>
+        <p:cNvGrpSpPr/>
+        <p:nvPr/>
+      </p:nvGrpSpPr>
+      <p:grpSpPr>
+        <a:xfrm>
+          <a:off x="0" y="0"/>
+          <a:ext cx="0" cy="0"/>
+          <a:chOff x="0" y="0"/>
+          <a:chExt cx="0" cy="0"/>
+        </a:xfrm>
+      </p:grpSpPr>
+      <p:sp>
+        <p:nvSpPr>
+          <p:cNvPr id="2" name="Title 1"/>
+          <p:cNvSpPr>
+            <a:spLocks noGrp="1"/>
+          </p:cNvSpPr>
+          <p:nvPr>
+            <p:ph type="title"/>
+          </p:nvPr>
+        </p:nvSpPr>
+        <p:spPr/>
+        <p:txBody>
+          <a:bodyPr/>
+          <a:lstStyle/>
+          <a:p>
+            <a:r>
+              <a:rPr lang="en-US" dirty="0" smtClean="0"/>
               <a:t>Transformers – Inference (Curse)</a:t>
             </a:r>
             <a:endParaRPr lang="en-US" dirty="0"/>
@@ -6989,7 +6845,7 @@
 </p:sld>
 </file>
 
-<file path=ppt/slides/slide32.xml><?xml version="1.0" encoding="utf-8"?>
+<file path=ppt/slides/slide31.xml><?xml version="1.0" encoding="utf-8"?>
 <p:sld xmlns:a="http://schemas.openxmlformats.org/drawingml/2006/main" xmlns:r="http://schemas.openxmlformats.org/officeDocument/2006/relationships" xmlns:p="http://schemas.openxmlformats.org/presentationml/2006/main">
   <p:cSld>
     <p:spTree>
@@ -7090,7 +6946,7 @@
 </p:sld>
 </file>
 
-<file path=ppt/slides/slide33.xml><?xml version="1.0" encoding="utf-8"?>
+<file path=ppt/slides/slide32.xml><?xml version="1.0" encoding="utf-8"?>
 <p:sld xmlns:a="http://schemas.openxmlformats.org/drawingml/2006/main" xmlns:r="http://schemas.openxmlformats.org/officeDocument/2006/relationships" xmlns:p="http://schemas.openxmlformats.org/presentationml/2006/main">
   <p:cSld>
     <p:spTree>
@@ -7206,7 +7062,7 @@
 </p:sld>
 </file>
 
-<file path=ppt/slides/slide34.xml><?xml version="1.0" encoding="utf-8"?>
+<file path=ppt/slides/slide33.xml><?xml version="1.0" encoding="utf-8"?>
 <p:sld xmlns:a="http://schemas.openxmlformats.org/drawingml/2006/main" xmlns:r="http://schemas.openxmlformats.org/officeDocument/2006/relationships" xmlns:p="http://schemas.openxmlformats.org/presentationml/2006/main">
   <p:cSld>
     <p:spTree>
@@ -7313,7 +7169,7 @@
 </p:sld>
 </file>
 
-<file path=ppt/slides/slide35.xml><?xml version="1.0" encoding="utf-8"?>
+<file path=ppt/slides/slide34.xml><?xml version="1.0" encoding="utf-8"?>
 <p:sld xmlns:a="http://schemas.openxmlformats.org/drawingml/2006/main" xmlns:r="http://schemas.openxmlformats.org/officeDocument/2006/relationships" xmlns:p="http://schemas.openxmlformats.org/presentationml/2006/main">
   <p:cSld>
     <p:spTree>
